--- a/Enefté.pptx
+++ b/Enefté.pptx
@@ -7,13 +7,13 @@
   <p:sldIdLst>
     <p:sldId id="256" r:id="rId2"/>
     <p:sldId id="257" r:id="rId3"/>
-    <p:sldId id="258" r:id="rId4"/>
-    <p:sldId id="259" r:id="rId5"/>
-    <p:sldId id="260" r:id="rId6"/>
-    <p:sldId id="261" r:id="rId7"/>
-    <p:sldId id="262" r:id="rId8"/>
-    <p:sldId id="263" r:id="rId9"/>
-    <p:sldId id="264" r:id="rId10"/>
+    <p:sldId id="264" r:id="rId4"/>
+    <p:sldId id="258" r:id="rId5"/>
+    <p:sldId id="259" r:id="rId6"/>
+    <p:sldId id="260" r:id="rId7"/>
+    <p:sldId id="261" r:id="rId8"/>
+    <p:sldId id="262" r:id="rId9"/>
+    <p:sldId id="263" r:id="rId10"/>
   </p:sldIdLst>
   <p:sldSz cx="12192000" cy="6858000"/>
   <p:notesSz cx="6858000" cy="9144000"/>
@@ -112,6 +112,11 @@
       </a:defRPr>
     </a:lvl9pPr>
   </p:defaultTextStyle>
+  <p:extLst>
+    <p:ext uri="{EFAFB233-063F-42B5-8137-9DF3F51BA10A}">
+      <p15:sldGuideLst xmlns:p15="http://schemas.microsoft.com/office/powerpoint/2012/main"/>
+    </p:ext>
+  </p:extLst>
 </p:presentation>
 </file>
 
@@ -246,7 +251,7 @@
           <a:p>
             <a:fld id="{57818F5C-C307-4A3C-8968-29E140740C8B}" type="datetimeFigureOut">
               <a:rPr lang="hu-HU" smtClean="0"/>
-              <a:t>2022. 04. 25.</a:t>
+              <a:t>2022. 04. 26.</a:t>
             </a:fld>
             <a:endParaRPr lang="hu-HU"/>
           </a:p>
@@ -416,7 +421,7 @@
           <a:p>
             <a:fld id="{57818F5C-C307-4A3C-8968-29E140740C8B}" type="datetimeFigureOut">
               <a:rPr lang="hu-HU" smtClean="0"/>
-              <a:t>2022. 04. 25.</a:t>
+              <a:t>2022. 04. 26.</a:t>
             </a:fld>
             <a:endParaRPr lang="hu-HU"/>
           </a:p>
@@ -596,7 +601,7 @@
           <a:p>
             <a:fld id="{57818F5C-C307-4A3C-8968-29E140740C8B}" type="datetimeFigureOut">
               <a:rPr lang="hu-HU" smtClean="0"/>
-              <a:t>2022. 04. 25.</a:t>
+              <a:t>2022. 04. 26.</a:t>
             </a:fld>
             <a:endParaRPr lang="hu-HU"/>
           </a:p>
@@ -766,7 +771,7 @@
           <a:p>
             <a:fld id="{57818F5C-C307-4A3C-8968-29E140740C8B}" type="datetimeFigureOut">
               <a:rPr lang="hu-HU" smtClean="0"/>
-              <a:t>2022. 04. 25.</a:t>
+              <a:t>2022. 04. 26.</a:t>
             </a:fld>
             <a:endParaRPr lang="hu-HU"/>
           </a:p>
@@ -1012,7 +1017,7 @@
           <a:p>
             <a:fld id="{57818F5C-C307-4A3C-8968-29E140740C8B}" type="datetimeFigureOut">
               <a:rPr lang="hu-HU" smtClean="0"/>
-              <a:t>2022. 04. 25.</a:t>
+              <a:t>2022. 04. 26.</a:t>
             </a:fld>
             <a:endParaRPr lang="hu-HU"/>
           </a:p>
@@ -1244,7 +1249,7 @@
           <a:p>
             <a:fld id="{57818F5C-C307-4A3C-8968-29E140740C8B}" type="datetimeFigureOut">
               <a:rPr lang="hu-HU" smtClean="0"/>
-              <a:t>2022. 04. 25.</a:t>
+              <a:t>2022. 04. 26.</a:t>
             </a:fld>
             <a:endParaRPr lang="hu-HU"/>
           </a:p>
@@ -1611,7 +1616,7 @@
           <a:p>
             <a:fld id="{57818F5C-C307-4A3C-8968-29E140740C8B}" type="datetimeFigureOut">
               <a:rPr lang="hu-HU" smtClean="0"/>
-              <a:t>2022. 04. 25.</a:t>
+              <a:t>2022. 04. 26.</a:t>
             </a:fld>
             <a:endParaRPr lang="hu-HU"/>
           </a:p>
@@ -1729,7 +1734,7 @@
           <a:p>
             <a:fld id="{57818F5C-C307-4A3C-8968-29E140740C8B}" type="datetimeFigureOut">
               <a:rPr lang="hu-HU" smtClean="0"/>
-              <a:t>2022. 04. 25.</a:t>
+              <a:t>2022. 04. 26.</a:t>
             </a:fld>
             <a:endParaRPr lang="hu-HU"/>
           </a:p>
@@ -1824,7 +1829,7 @@
           <a:p>
             <a:fld id="{57818F5C-C307-4A3C-8968-29E140740C8B}" type="datetimeFigureOut">
               <a:rPr lang="hu-HU" smtClean="0"/>
-              <a:t>2022. 04. 25.</a:t>
+              <a:t>2022. 04. 26.</a:t>
             </a:fld>
             <a:endParaRPr lang="hu-HU"/>
           </a:p>
@@ -2101,7 +2106,7 @@
           <a:p>
             <a:fld id="{57818F5C-C307-4A3C-8968-29E140740C8B}" type="datetimeFigureOut">
               <a:rPr lang="hu-HU" smtClean="0"/>
-              <a:t>2022. 04. 25.</a:t>
+              <a:t>2022. 04. 26.</a:t>
             </a:fld>
             <a:endParaRPr lang="hu-HU"/>
           </a:p>
@@ -2354,7 +2359,7 @@
           <a:p>
             <a:fld id="{57818F5C-C307-4A3C-8968-29E140740C8B}" type="datetimeFigureOut">
               <a:rPr lang="hu-HU" smtClean="0"/>
-              <a:t>2022. 04. 25.</a:t>
+              <a:t>2022. 04. 26.</a:t>
             </a:fld>
             <a:endParaRPr lang="hu-HU"/>
           </a:p>
@@ -2567,7 +2572,7 @@
           <a:p>
             <a:fld id="{57818F5C-C307-4A3C-8968-29E140740C8B}" type="datetimeFigureOut">
               <a:rPr lang="hu-HU" smtClean="0"/>
-              <a:t>2022. 04. 25.</a:t>
+              <a:t>2022. 04. 26.</a:t>
             </a:fld>
             <a:endParaRPr lang="hu-HU"/>
           </a:p>
@@ -3014,7 +3019,9 @@
         </p:nvSpPr>
         <p:spPr/>
         <p:txBody>
-          <a:bodyPr/>
+          <a:bodyPr>
+            <a:normAutofit/>
+          </a:bodyPr>
           <a:lstStyle/>
           <a:p>
             <a:r>
@@ -3149,6 +3156,13 @@
   <p:clrMapOvr>
     <a:masterClrMapping/>
   </p:clrMapOvr>
+  <p:timing>
+    <p:tnLst>
+      <p:par>
+        <p:cTn id="1" dur="indefinite" restart="never" nodeType="tmRoot"/>
+      </p:par>
+    </p:tnLst>
+  </p:timing>
 </p:sld>
 </file>
 
@@ -3184,26 +3198,41 @@
           <a:bodyPr/>
           <a:lstStyle/>
           <a:p>
+            <a:r>
+              <a:rPr lang="hu-HU" sz="6000" b="1" spc="50" dirty="0">
+                <a:latin typeface="Tahoma" panose="020B0604030504040204" pitchFamily="34" charset="0"/>
+                <a:ea typeface="Tahoma" panose="020B0604030504040204" pitchFamily="34" charset="0"/>
+                <a:cs typeface="Tahoma" panose="020B0604030504040204" pitchFamily="34" charset="0"/>
+              </a:rPr>
+              <a:t>Főoldal</a:t>
+            </a:r>
+            <a:endParaRPr lang="hu-HU" sz="6000" b="1" spc="50" dirty="0">
+              <a:latin typeface="Tahoma" panose="020B0604030504040204" pitchFamily="34" charset="0"/>
+              <a:ea typeface="Tahoma" panose="020B0604030504040204" pitchFamily="34" charset="0"/>
+              <a:cs typeface="Tahoma" panose="020B0604030504040204" pitchFamily="34" charset="0"/>
+            </a:endParaRPr>
+          </a:p>
+        </p:txBody>
+      </p:sp>
+      <p:sp>
+        <p:nvSpPr>
+          <p:cNvPr id="3" name="Tartalom helye 2"/>
+          <p:cNvSpPr>
+            <a:spLocks noGrp="1"/>
+          </p:cNvSpPr>
+          <p:nvPr>
+            <p:ph idx="1"/>
+          </p:nvPr>
+        </p:nvSpPr>
+        <p:spPr/>
+        <p:txBody>
+          <a:bodyPr/>
+          <a:lstStyle/>
+          <a:p>
+            <a:pPr marL="0" indent="0">
+              <a:buNone/>
+            </a:pPr>
             <a:endParaRPr lang="hu-HU" dirty="0"/>
-          </a:p>
-        </p:txBody>
-      </p:sp>
-      <p:sp>
-        <p:nvSpPr>
-          <p:cNvPr id="3" name="Tartalom helye 2"/>
-          <p:cNvSpPr>
-            <a:spLocks noGrp="1"/>
-          </p:cNvSpPr>
-          <p:nvPr>
-            <p:ph idx="1"/>
-          </p:nvPr>
-        </p:nvSpPr>
-        <p:spPr/>
-        <p:txBody>
-          <a:bodyPr/>
-          <a:lstStyle/>
-          <a:p>
-            <a:endParaRPr lang="hu-HU"/>
           </a:p>
         </p:txBody>
       </p:sp>
@@ -3217,6 +3246,13 @@
   <p:clrMapOvr>
     <a:masterClrMapping/>
   </p:clrMapOvr>
+  <p:timing>
+    <p:tnLst>
+      <p:par>
+        <p:cTn id="1" dur="indefinite" restart="never" nodeType="tmRoot"/>
+      </p:par>
+    </p:tnLst>
+  </p:timing>
 </p:sld>
 </file>
 
@@ -3252,7 +3288,19 @@
           <a:bodyPr/>
           <a:lstStyle/>
           <a:p>
-            <a:endParaRPr lang="hu-HU"/>
+            <a:r>
+              <a:rPr lang="hu-HU" sz="6000" b="1" spc="50" dirty="0">
+                <a:latin typeface="Tahoma" panose="020B0604030504040204" pitchFamily="34" charset="0"/>
+                <a:ea typeface="Tahoma" panose="020B0604030504040204" pitchFamily="34" charset="0"/>
+                <a:cs typeface="Tahoma" panose="020B0604030504040204" pitchFamily="34" charset="0"/>
+              </a:rPr>
+              <a:t>Login</a:t>
+            </a:r>
+            <a:endParaRPr lang="hu-HU" sz="6000" b="1" spc="50" dirty="0">
+              <a:latin typeface="Tahoma" panose="020B0604030504040204" pitchFamily="34" charset="0"/>
+              <a:ea typeface="Tahoma" panose="020B0604030504040204" pitchFamily="34" charset="0"/>
+              <a:cs typeface="Tahoma" panose="020B0604030504040204" pitchFamily="34" charset="0"/>
+            </a:endParaRPr>
           </a:p>
         </p:txBody>
       </p:sp>
@@ -3278,13 +3326,20 @@
     </p:spTree>
     <p:extLst>
       <p:ext uri="{BB962C8B-B14F-4D97-AF65-F5344CB8AC3E}">
-        <p14:creationId xmlns:p14="http://schemas.microsoft.com/office/powerpoint/2010/main" val="269460926"/>
+        <p14:creationId xmlns:p14="http://schemas.microsoft.com/office/powerpoint/2010/main" val="3977622944"/>
       </p:ext>
     </p:extLst>
   </p:cSld>
   <p:clrMapOvr>
     <a:masterClrMapping/>
   </p:clrMapOvr>
+  <p:timing>
+    <p:tnLst>
+      <p:par>
+        <p:cTn id="1" dur="indefinite" restart="never" nodeType="tmRoot"/>
+      </p:par>
+    </p:tnLst>
+  </p:timing>
 </p:sld>
 </file>
 
@@ -3320,7 +3375,19 @@
           <a:bodyPr/>
           <a:lstStyle/>
           <a:p>
-            <a:endParaRPr lang="hu-HU"/>
+            <a:r>
+              <a:rPr lang="hu-HU" sz="6000" b="1" spc="50" dirty="0">
+                <a:latin typeface="Tahoma" panose="020B0604030504040204" pitchFamily="34" charset="0"/>
+                <a:ea typeface="Tahoma" panose="020B0604030504040204" pitchFamily="34" charset="0"/>
+                <a:cs typeface="Tahoma" panose="020B0604030504040204" pitchFamily="34" charset="0"/>
+              </a:rPr>
+              <a:t>Áruház</a:t>
+            </a:r>
+            <a:endParaRPr lang="hu-HU" sz="6000" b="1" spc="50" dirty="0">
+              <a:latin typeface="Tahoma" panose="020B0604030504040204" pitchFamily="34" charset="0"/>
+              <a:ea typeface="Tahoma" panose="020B0604030504040204" pitchFamily="34" charset="0"/>
+              <a:cs typeface="Tahoma" panose="020B0604030504040204" pitchFamily="34" charset="0"/>
+            </a:endParaRPr>
           </a:p>
         </p:txBody>
       </p:sp>
@@ -3346,13 +3413,20 @@
     </p:spTree>
     <p:extLst>
       <p:ext uri="{BB962C8B-B14F-4D97-AF65-F5344CB8AC3E}">
-        <p14:creationId xmlns:p14="http://schemas.microsoft.com/office/powerpoint/2010/main" val="1749847216"/>
+        <p14:creationId xmlns:p14="http://schemas.microsoft.com/office/powerpoint/2010/main" val="269460926"/>
       </p:ext>
     </p:extLst>
   </p:cSld>
   <p:clrMapOvr>
     <a:masterClrMapping/>
   </p:clrMapOvr>
+  <p:timing>
+    <p:tnLst>
+      <p:par>
+        <p:cTn id="1" dur="indefinite" restart="never" nodeType="tmRoot"/>
+      </p:par>
+    </p:tnLst>
+  </p:timing>
 </p:sld>
 </file>
 
@@ -3388,7 +3462,19 @@
           <a:bodyPr/>
           <a:lstStyle/>
           <a:p>
-            <a:endParaRPr lang="hu-HU"/>
+            <a:r>
+              <a:rPr lang="hu-HU" sz="6000" b="1" spc="50" dirty="0">
+                <a:latin typeface="Tahoma" panose="020B0604030504040204" pitchFamily="34" charset="0"/>
+                <a:ea typeface="Tahoma" panose="020B0604030504040204" pitchFamily="34" charset="0"/>
+                <a:cs typeface="Tahoma" panose="020B0604030504040204" pitchFamily="34" charset="0"/>
+              </a:rPr>
+              <a:t>Kereskedés</a:t>
+            </a:r>
+            <a:endParaRPr lang="hu-HU" sz="6000" b="1" spc="50" dirty="0">
+              <a:latin typeface="Tahoma" panose="020B0604030504040204" pitchFamily="34" charset="0"/>
+              <a:ea typeface="Tahoma" panose="020B0604030504040204" pitchFamily="34" charset="0"/>
+              <a:cs typeface="Tahoma" panose="020B0604030504040204" pitchFamily="34" charset="0"/>
+            </a:endParaRPr>
           </a:p>
         </p:txBody>
       </p:sp>
@@ -3414,13 +3500,20 @@
     </p:spTree>
     <p:extLst>
       <p:ext uri="{BB962C8B-B14F-4D97-AF65-F5344CB8AC3E}">
-        <p14:creationId xmlns:p14="http://schemas.microsoft.com/office/powerpoint/2010/main" val="3234519410"/>
+        <p14:creationId xmlns:p14="http://schemas.microsoft.com/office/powerpoint/2010/main" val="1749847216"/>
       </p:ext>
     </p:extLst>
   </p:cSld>
   <p:clrMapOvr>
     <a:masterClrMapping/>
   </p:clrMapOvr>
+  <p:timing>
+    <p:tnLst>
+      <p:par>
+        <p:cTn id="1" dur="indefinite" restart="never" nodeType="tmRoot"/>
+      </p:par>
+    </p:tnLst>
+  </p:timing>
 </p:sld>
 </file>
 
@@ -3456,7 +3549,19 @@
           <a:bodyPr/>
           <a:lstStyle/>
           <a:p>
-            <a:endParaRPr lang="hu-HU"/>
+            <a:r>
+              <a:rPr lang="hu-HU" sz="6000" b="1" spc="50" dirty="0">
+                <a:latin typeface="Tahoma" panose="020B0604030504040204" pitchFamily="34" charset="0"/>
+                <a:ea typeface="Tahoma" panose="020B0604030504040204" pitchFamily="34" charset="0"/>
+                <a:cs typeface="Tahoma" panose="020B0604030504040204" pitchFamily="34" charset="0"/>
+              </a:rPr>
+              <a:t>Beállítások</a:t>
+            </a:r>
+            <a:endParaRPr lang="hu-HU" sz="6000" b="1" spc="50" dirty="0">
+              <a:latin typeface="Tahoma" panose="020B0604030504040204" pitchFamily="34" charset="0"/>
+              <a:ea typeface="Tahoma" panose="020B0604030504040204" pitchFamily="34" charset="0"/>
+              <a:cs typeface="Tahoma" panose="020B0604030504040204" pitchFamily="34" charset="0"/>
+            </a:endParaRPr>
           </a:p>
         </p:txBody>
       </p:sp>
@@ -3482,13 +3587,20 @@
     </p:spTree>
     <p:extLst>
       <p:ext uri="{BB962C8B-B14F-4D97-AF65-F5344CB8AC3E}">
-        <p14:creationId xmlns:p14="http://schemas.microsoft.com/office/powerpoint/2010/main" val="2443151758"/>
+        <p14:creationId xmlns:p14="http://schemas.microsoft.com/office/powerpoint/2010/main" val="3234519410"/>
       </p:ext>
     </p:extLst>
   </p:cSld>
   <p:clrMapOvr>
     <a:masterClrMapping/>
   </p:clrMapOvr>
+  <p:timing>
+    <p:tnLst>
+      <p:par>
+        <p:cTn id="1" dur="indefinite" restart="never" nodeType="tmRoot"/>
+      </p:par>
+    </p:tnLst>
+  </p:timing>
 </p:sld>
 </file>
 
@@ -3524,7 +3636,19 @@
           <a:bodyPr/>
           <a:lstStyle/>
           <a:p>
-            <a:endParaRPr lang="hu-HU"/>
+            <a:r>
+              <a:rPr lang="hu-HU" sz="6000" b="1" spc="50" dirty="0">
+                <a:latin typeface="Tahoma" panose="020B0604030504040204" pitchFamily="34" charset="0"/>
+                <a:ea typeface="Tahoma" panose="020B0604030504040204" pitchFamily="34" charset="0"/>
+                <a:cs typeface="Tahoma" panose="020B0604030504040204" pitchFamily="34" charset="0"/>
+              </a:rPr>
+              <a:t>GYIK</a:t>
+            </a:r>
+            <a:endParaRPr lang="hu-HU" sz="6000" b="1" spc="50" dirty="0">
+              <a:latin typeface="Tahoma" panose="020B0604030504040204" pitchFamily="34" charset="0"/>
+              <a:ea typeface="Tahoma" panose="020B0604030504040204" pitchFamily="34" charset="0"/>
+              <a:cs typeface="Tahoma" panose="020B0604030504040204" pitchFamily="34" charset="0"/>
+            </a:endParaRPr>
           </a:p>
         </p:txBody>
       </p:sp>
@@ -3550,13 +3674,20 @@
     </p:spTree>
     <p:extLst>
       <p:ext uri="{BB962C8B-B14F-4D97-AF65-F5344CB8AC3E}">
-        <p14:creationId xmlns:p14="http://schemas.microsoft.com/office/powerpoint/2010/main" val="4001842592"/>
+        <p14:creationId xmlns:p14="http://schemas.microsoft.com/office/powerpoint/2010/main" val="2443151758"/>
       </p:ext>
     </p:extLst>
   </p:cSld>
   <p:clrMapOvr>
     <a:masterClrMapping/>
   </p:clrMapOvr>
+  <p:timing>
+    <p:tnLst>
+      <p:par>
+        <p:cTn id="1" dur="indefinite" restart="never" nodeType="tmRoot"/>
+      </p:par>
+    </p:tnLst>
+  </p:timing>
 </p:sld>
 </file>
 
@@ -3592,7 +3723,19 @@
           <a:bodyPr/>
           <a:lstStyle/>
           <a:p>
-            <a:endParaRPr lang="hu-HU"/>
+            <a:r>
+              <a:rPr lang="hu-HU" sz="6000" b="1" spc="50" dirty="0">
+                <a:latin typeface="Tahoma" panose="020B0604030504040204" pitchFamily="34" charset="0"/>
+                <a:ea typeface="Tahoma" panose="020B0604030504040204" pitchFamily="34" charset="0"/>
+                <a:cs typeface="Tahoma" panose="020B0604030504040204" pitchFamily="34" charset="0"/>
+              </a:rPr>
+              <a:t>Fejlesztők</a:t>
+            </a:r>
+            <a:endParaRPr lang="hu-HU" sz="6000" b="1" spc="50" dirty="0">
+              <a:latin typeface="Tahoma" panose="020B0604030504040204" pitchFamily="34" charset="0"/>
+              <a:ea typeface="Tahoma" panose="020B0604030504040204" pitchFamily="34" charset="0"/>
+              <a:cs typeface="Tahoma" panose="020B0604030504040204" pitchFamily="34" charset="0"/>
+            </a:endParaRPr>
           </a:p>
         </p:txBody>
       </p:sp>
@@ -3618,13 +3761,20 @@
     </p:spTree>
     <p:extLst>
       <p:ext uri="{BB962C8B-B14F-4D97-AF65-F5344CB8AC3E}">
-        <p14:creationId xmlns:p14="http://schemas.microsoft.com/office/powerpoint/2010/main" val="1357616443"/>
+        <p14:creationId xmlns:p14="http://schemas.microsoft.com/office/powerpoint/2010/main" val="4001842592"/>
       </p:ext>
     </p:extLst>
   </p:cSld>
   <p:clrMapOvr>
     <a:masterClrMapping/>
   </p:clrMapOvr>
+  <p:timing>
+    <p:tnLst>
+      <p:par>
+        <p:cTn id="1" dur="indefinite" restart="never" nodeType="tmRoot"/>
+      </p:par>
+    </p:tnLst>
+  </p:timing>
 </p:sld>
 </file>
 
@@ -3660,7 +3810,35 @@
           <a:bodyPr/>
           <a:lstStyle/>
           <a:p>
-            <a:endParaRPr lang="hu-HU"/>
+            <a:r>
+              <a:rPr lang="hu-HU" sz="6000" b="1" spc="50" dirty="0" err="1" smtClean="0">
+                <a:latin typeface="Tahoma" panose="020B0604030504040204" pitchFamily="34" charset="0"/>
+                <a:ea typeface="Tahoma" panose="020B0604030504040204" pitchFamily="34" charset="0"/>
+                <a:cs typeface="Tahoma" panose="020B0604030504040204" pitchFamily="34" charset="0"/>
+              </a:rPr>
+              <a:t>Kér</a:t>
+            </a:r>
+            <a:r>
+              <a:rPr lang="hu-HU" sz="6000" b="1" spc="50" dirty="0" err="1">
+                <a:latin typeface="Tahoma" panose="020B0604030504040204" pitchFamily="34" charset="0"/>
+                <a:ea typeface="Tahoma" panose="020B0604030504040204" pitchFamily="34" charset="0"/>
+                <a:cs typeface="Tahoma" panose="020B0604030504040204" pitchFamily="34" charset="0"/>
+              </a:rPr>
+              <a:t>s</a:t>
+            </a:r>
+            <a:r>
+              <a:rPr lang="hu-HU" sz="6000" b="1" spc="50" dirty="0" err="1" smtClean="0">
+                <a:latin typeface="Tahoma" panose="020B0604030504040204" pitchFamily="34" charset="0"/>
+                <a:ea typeface="Tahoma" panose="020B0604030504040204" pitchFamily="34" charset="0"/>
+                <a:cs typeface="Tahoma" panose="020B0604030504040204" pitchFamily="34" charset="0"/>
+              </a:rPr>
+              <a:t>dések</a:t>
+            </a:r>
+            <a:endParaRPr lang="hu-HU" sz="6000" b="1" spc="50" dirty="0">
+              <a:latin typeface="Tahoma" panose="020B0604030504040204" pitchFamily="34" charset="0"/>
+              <a:ea typeface="Tahoma" panose="020B0604030504040204" pitchFamily="34" charset="0"/>
+              <a:cs typeface="Tahoma" panose="020B0604030504040204" pitchFamily="34" charset="0"/>
+            </a:endParaRPr>
           </a:p>
         </p:txBody>
       </p:sp>
@@ -3686,13 +3864,20 @@
     </p:spTree>
     <p:extLst>
       <p:ext uri="{BB962C8B-B14F-4D97-AF65-F5344CB8AC3E}">
-        <p14:creationId xmlns:p14="http://schemas.microsoft.com/office/powerpoint/2010/main" val="3977622944"/>
+        <p14:creationId xmlns:p14="http://schemas.microsoft.com/office/powerpoint/2010/main" val="1357616443"/>
       </p:ext>
     </p:extLst>
   </p:cSld>
   <p:clrMapOvr>
     <a:masterClrMapping/>
   </p:clrMapOvr>
+  <p:timing>
+    <p:tnLst>
+      <p:par>
+        <p:cTn id="1" dur="indefinite" restart="never" nodeType="tmRoot"/>
+      </p:par>
+    </p:tnLst>
+  </p:timing>
 </p:sld>
 </file>
 
